--- a/assets/files/Paper summary template for website.pptx
+++ b/assets/files/Paper summary template for website.pptx
@@ -457,7 +457,7 @@
           <a:p>
             <a:fld id="{82D53ED6-1061-4FFE-9223-D46B1CFDD25D}" type="datetimeFigureOut">
               <a:rPr lang="ko-KR" altLang="en-US" smtClean="0"/>
-              <a:t>2022-04-28</a:t>
+              <a:t>2022-06-27</a:t>
             </a:fld>
             <a:endParaRPr lang="ko-KR" altLang="en-US"/>
           </a:p>
@@ -635,7 +635,7 @@
           <a:p>
             <a:fld id="{538A7DF8-C265-45C0-A503-1319659AE03E}" type="datetimeFigureOut">
               <a:rPr lang="ko-KR" altLang="en-US" smtClean="0"/>
-              <a:t>2022-04-28</a:t>
+              <a:t>2022-06-27</a:t>
             </a:fld>
             <a:endParaRPr lang="ko-KR" altLang="en-US"/>
           </a:p>
@@ -1035,7 +1035,7 @@
           <a:p>
             <a:fld id="{CCB979FB-6DA6-4DD1-A8CE-4D57E9E7F677}" type="datetime1">
               <a:rPr lang="ko-KR" altLang="en-US" smtClean="0"/>
-              <a:t>2022-04-28</a:t>
+              <a:t>2022-06-27</a:t>
             </a:fld>
             <a:endParaRPr lang="ko-KR" altLang="en-US"/>
           </a:p>
@@ -1209,7 +1209,7 @@
           <a:p>
             <a:fld id="{9109043A-E0FD-4EC8-88DD-84528DCBEBCD}" type="datetime1">
               <a:rPr lang="ko-KR" altLang="en-US" smtClean="0"/>
-              <a:t>2022-04-28</a:t>
+              <a:t>2022-06-27</a:t>
             </a:fld>
             <a:endParaRPr lang="ko-KR" altLang="en-US"/>
           </a:p>
@@ -1393,7 +1393,7 @@
           <a:p>
             <a:fld id="{BD8F60BC-311A-447F-907A-E42DC2870C22}" type="datetime1">
               <a:rPr lang="ko-KR" altLang="en-US" smtClean="0"/>
-              <a:t>2022-04-28</a:t>
+              <a:t>2022-06-27</a:t>
             </a:fld>
             <a:endParaRPr lang="ko-KR" altLang="en-US"/>
           </a:p>
@@ -1567,7 +1567,7 @@
           <a:p>
             <a:fld id="{D862BD49-2EE2-425F-9189-F7548240500D}" type="datetime1">
               <a:rPr lang="ko-KR" altLang="en-US" smtClean="0"/>
-              <a:t>2022-04-28</a:t>
+              <a:t>2022-06-27</a:t>
             </a:fld>
             <a:endParaRPr lang="ko-KR" altLang="en-US"/>
           </a:p>
@@ -1815,7 +1815,7 @@
           <a:p>
             <a:fld id="{CA32D608-B59A-4034-98D7-987A6A273B79}" type="datetime1">
               <a:rPr lang="ko-KR" altLang="en-US" smtClean="0"/>
-              <a:t>2022-04-28</a:t>
+              <a:t>2022-06-27</a:t>
             </a:fld>
             <a:endParaRPr lang="ko-KR" altLang="en-US"/>
           </a:p>
@@ -2051,7 +2051,7 @@
           <a:p>
             <a:fld id="{646556AE-8C52-48F5-897B-A2E95DEF663E}" type="datetime1">
               <a:rPr lang="ko-KR" altLang="en-US" smtClean="0"/>
-              <a:t>2022-04-28</a:t>
+              <a:t>2022-06-27</a:t>
             </a:fld>
             <a:endParaRPr lang="ko-KR" altLang="en-US"/>
           </a:p>
@@ -2422,7 +2422,7 @@
           <a:p>
             <a:fld id="{15D4FF17-E657-471E-84C2-3A2304F9FCFB}" type="datetime1">
               <a:rPr lang="ko-KR" altLang="en-US" smtClean="0"/>
-              <a:t>2022-04-28</a:t>
+              <a:t>2022-06-27</a:t>
             </a:fld>
             <a:endParaRPr lang="ko-KR" altLang="en-US"/>
           </a:p>
@@ -2544,7 +2544,7 @@
           <a:p>
             <a:fld id="{77A849F8-518A-45F2-B9C0-8479692263D6}" type="datetime1">
               <a:rPr lang="ko-KR" altLang="en-US" smtClean="0"/>
-              <a:t>2022-04-28</a:t>
+              <a:t>2022-06-27</a:t>
             </a:fld>
             <a:endParaRPr lang="ko-KR" altLang="en-US"/>
           </a:p>
@@ -2643,7 +2643,7 @@
           <a:p>
             <a:fld id="{87EE2976-7F03-4DDA-8F1E-CB1FD27FC0E8}" type="datetime1">
               <a:rPr lang="ko-KR" altLang="en-US" smtClean="0"/>
-              <a:t>2022-04-28</a:t>
+              <a:t>2022-06-27</a:t>
             </a:fld>
             <a:endParaRPr lang="ko-KR" altLang="en-US"/>
           </a:p>
@@ -2924,7 +2924,7 @@
           <a:p>
             <a:fld id="{4F44DB6E-311D-45B4-89D3-2CC7FDD656F3}" type="datetime1">
               <a:rPr lang="ko-KR" altLang="en-US" smtClean="0"/>
-              <a:t>2022-04-28</a:t>
+              <a:t>2022-06-27</a:t>
             </a:fld>
             <a:endParaRPr lang="ko-KR" altLang="en-US"/>
           </a:p>
@@ -3185,7 +3185,7 @@
           <a:p>
             <a:fld id="{EBB16240-463B-4B3A-B52B-55CD36193467}" type="datetime1">
               <a:rPr lang="ko-KR" altLang="en-US" smtClean="0"/>
-              <a:t>2022-04-28</a:t>
+              <a:t>2022-06-27</a:t>
             </a:fld>
             <a:endParaRPr lang="ko-KR" altLang="en-US"/>
           </a:p>
@@ -3402,7 +3402,7 @@
           <a:p>
             <a:fld id="{0E14F5F7-4292-4542-8837-DCFE75C90F55}" type="datetime1">
               <a:rPr lang="ko-KR" altLang="en-US" smtClean="0"/>
-              <a:t>2022-04-28</a:t>
+              <a:t>2022-06-27</a:t>
             </a:fld>
             <a:endParaRPr lang="ko-KR" altLang="en-US"/>
           </a:p>
@@ -4541,7 +4541,7 @@
         <p:spPr>
           <a:xfrm>
             <a:off x="956933" y="190440"/>
-            <a:ext cx="10217888" cy="1107996"/>
+            <a:ext cx="10217888" cy="1200329"/>
           </a:xfrm>
           <a:prstGeom prst="rect">
             <a:avLst/>
@@ -4556,55 +4556,28 @@
           <a:p>
             <a:pPr algn="ctr"/>
             <a:r>
-              <a:rPr lang="en-US" altLang="ko-KR" sz="2500" b="1" kern="100" dirty="0">
+              <a:rPr lang="en-US" altLang="ko-KR" sz="2800" b="1" dirty="0">
+                <a:latin typeface="Times New Roman" panose="02020603050405020304" pitchFamily="18" charset="0"/>
+                <a:cs typeface="Times New Roman" panose="02020603050405020304" pitchFamily="18" charset="0"/>
+              </a:rPr>
+              <a:t>A dynamic storage location assignment model for a progressive bypass zone picking system with an S/R crane </a:t>
+            </a:r>
+          </a:p>
+          <a:p>
+            <a:pPr algn="ctr"/>
+            <a:r>
+              <a:rPr lang="en-US" altLang="ko-KR" sz="1600" dirty="0" err="1">
                 <a:latin typeface="Times New Roman" panose="02020603050405020304" pitchFamily="18" charset="0"/>
                 <a:ea typeface="맑은 고딕" panose="020B0503020000020004" pitchFamily="50" charset="-127"/>
-                <a:cs typeface="Times New Roman" panose="02020603050405020304" pitchFamily="18" charset="0"/>
-              </a:rPr>
-              <a:t>Order Batching and sequencing in a sequential zone order picking system with consideration of workload balance</a:t>
-            </a:r>
-            <a:endParaRPr lang="ko-KR" altLang="ko-KR" sz="2500" kern="100" dirty="0">
-              <a:latin typeface="맑은 고딕" panose="020B0503020000020004" pitchFamily="50" charset="-127"/>
-              <a:ea typeface="맑은 고딕" panose="020B0503020000020004" pitchFamily="50" charset="-127"/>
-              <a:cs typeface="Times New Roman" panose="02020603050405020304" pitchFamily="18" charset="0"/>
-            </a:endParaRPr>
-          </a:p>
-          <a:p>
-            <a:pPr algn="ctr"/>
+              </a:rPr>
+              <a:t>Jeonghwan</a:t>
+            </a:r>
             <a:r>
               <a:rPr lang="en-US" altLang="ko-KR" sz="1600" dirty="0">
                 <a:latin typeface="Times New Roman" panose="02020603050405020304" pitchFamily="18" charset="0"/>
                 <a:ea typeface="맑은 고딕" panose="020B0503020000020004" pitchFamily="50" charset="-127"/>
               </a:rPr>
-              <a:t>Jeongwon Park, </a:t>
-            </a:r>
-            <a:r>
-              <a:rPr lang="en-US" altLang="ko-KR" sz="1600" dirty="0" err="1">
-                <a:latin typeface="Times New Roman" panose="02020603050405020304" pitchFamily="18" charset="0"/>
-                <a:ea typeface="맑은 고딕" panose="020B0503020000020004" pitchFamily="50" charset="-127"/>
-              </a:rPr>
-              <a:t>Henokh</a:t>
-            </a:r>
-            <a:r>
-              <a:rPr lang="en-US" altLang="ko-KR" sz="1600" dirty="0">
-                <a:latin typeface="Times New Roman" panose="02020603050405020304" pitchFamily="18" charset="0"/>
-                <a:ea typeface="맑은 고딕" panose="020B0503020000020004" pitchFamily="50" charset="-127"/>
-              </a:rPr>
-              <a:t> Y. </a:t>
-            </a:r>
-            <a:r>
-              <a:rPr lang="en-US" altLang="ko-KR" sz="1600" dirty="0" err="1">
-                <a:latin typeface="Times New Roman" panose="02020603050405020304" pitchFamily="18" charset="0"/>
-                <a:ea typeface="맑은 고딕" panose="020B0503020000020004" pitchFamily="50" charset="-127"/>
-              </a:rPr>
-              <a:t>Fibrianto</a:t>
-            </a:r>
-            <a:r>
-              <a:rPr lang="en-US" altLang="ko-KR" sz="1600" dirty="0">
-                <a:latin typeface="Times New Roman" panose="02020603050405020304" pitchFamily="18" charset="0"/>
-                <a:ea typeface="맑은 고딕" panose="020B0503020000020004" pitchFamily="50" charset="-127"/>
-              </a:rPr>
-              <a:t>, and </a:t>
+              <a:t> Kim and </a:t>
             </a:r>
             <a:r>
               <a:rPr lang="en-US" altLang="ko-KR" sz="1600" dirty="0" err="1">
@@ -4969,7 +4942,7 @@
         <p:spPr>
           <a:xfrm>
             <a:off x="297713" y="2479526"/>
-            <a:ext cx="3976577" cy="1785104"/>
+            <a:ext cx="3976577" cy="2031325"/>
           </a:xfrm>
           <a:prstGeom prst="rect">
             <a:avLst/>
@@ -4989,7 +4962,7 @@
                 <a:ea typeface="맑은 고딕" panose="020B0503020000020004" pitchFamily="50" charset="-127"/>
                 <a:cs typeface="Times New Roman" panose="02020603050405020304" pitchFamily="18" charset="0"/>
               </a:rPr>
-              <a:t>This paper aims </a:t>
+              <a:t>This paper optimizes the </a:t>
             </a:r>
             <a:r>
               <a:rPr lang="en-US" altLang="ko-KR" sz="1600" b="1" kern="100" dirty="0">
@@ -4997,7 +4970,7 @@
                 <a:ea typeface="맑은 고딕" panose="020B0503020000020004" pitchFamily="50" charset="-127"/>
                 <a:cs typeface="Times New Roman" panose="02020603050405020304" pitchFamily="18" charset="0"/>
               </a:rPr>
-              <a:t>to develop an order batching and sequencing model for zone workload balancing (OBZ) in a sequential zone order picking system (OPS)</a:t>
+              <a:t>storage locations </a:t>
             </a:r>
             <a:r>
               <a:rPr lang="en-US" altLang="ko-KR" sz="1600" kern="100" dirty="0">
@@ -5005,7 +4978,23 @@
                 <a:ea typeface="맑은 고딕" panose="020B0503020000020004" pitchFamily="50" charset="-127"/>
                 <a:cs typeface="Times New Roman" panose="02020603050405020304" pitchFamily="18" charset="0"/>
               </a:rPr>
-              <a:t> as means of reducing the amount of delay time in a sequential zone OPS. </a:t>
+              <a:t>with consideration of workload imbalance and reduction of recirculation in a progressive bypass zone picking system. This paper also suggests a </a:t>
+            </a:r>
+            <a:r>
+              <a:rPr lang="en-US" altLang="ko-KR" sz="1600" b="1" kern="100" dirty="0">
+                <a:latin typeface="Times New Roman" panose="02020603050405020304" pitchFamily="18" charset="0"/>
+                <a:ea typeface="맑은 고딕" panose="020B0503020000020004" pitchFamily="50" charset="-127"/>
+                <a:cs typeface="Times New Roman" panose="02020603050405020304" pitchFamily="18" charset="0"/>
+              </a:rPr>
+              <a:t>dynamic storage location assignment</a:t>
+            </a:r>
+            <a:r>
+              <a:rPr lang="en-US" altLang="ko-KR" sz="1600" kern="100" dirty="0">
+                <a:latin typeface="Times New Roman" panose="02020603050405020304" pitchFamily="18" charset="0"/>
+                <a:ea typeface="맑은 고딕" panose="020B0503020000020004" pitchFamily="50" charset="-127"/>
+                <a:cs typeface="Times New Roman" panose="02020603050405020304" pitchFamily="18" charset="0"/>
+              </a:rPr>
+              <a:t> when the system has a limited material handling capacity.</a:t>
             </a:r>
             <a:endParaRPr lang="ko-KR" altLang="ko-KR" sz="1600" kern="100" dirty="0">
               <a:latin typeface="맑은 고딕" panose="020B0503020000020004" pitchFamily="50" charset="-127"/>
@@ -5136,7 +5125,7 @@
         <p:spPr>
           <a:xfrm>
             <a:off x="297712" y="5047578"/>
-            <a:ext cx="3976577" cy="1815882"/>
+            <a:ext cx="3976577" cy="1323439"/>
           </a:xfrm>
           <a:prstGeom prst="rect">
             <a:avLst/>
@@ -5151,18 +5140,11 @@
           <a:p>
             <a:pPr algn="just"/>
             <a:r>
-              <a:rPr lang="en-US" altLang="ko-KR" sz="1600" b="1" dirty="0">
-                <a:latin typeface="Times New Roman" panose="02020603050405020304" pitchFamily="18" charset="0"/>
-                <a:ea typeface="맑은 고딕" panose="020B0503020000020004" pitchFamily="50" charset="-127"/>
-              </a:rPr>
-              <a:t>Addressing the impact of order batching and the release square sequence of the tote on the workload imbalance in time from a sequential zone OPS</a:t>
-            </a:r>
-            <a:r>
               <a:rPr lang="en-US" altLang="ko-KR" sz="1600" dirty="0">
                 <a:latin typeface="Times New Roman" panose="02020603050405020304" pitchFamily="18" charset="0"/>
-                <a:ea typeface="맑은 고딕" panose="020B0503020000020004" pitchFamily="50" charset="-127"/>
-              </a:rPr>
-              <a:t> by reducing the variables contributing to the higher amount of potential delay rather than the amount of delay itself.</a:t>
+                <a:cs typeface="Times New Roman" panose="02020603050405020304" pitchFamily="18" charset="0"/>
+              </a:rPr>
+              <a:t>This paper develops an SLA model that considers both workload balance and recirculation reduction, and an SLR model that switches pairs of products in warehouses with limited material handling capacity.</a:t>
             </a:r>
             <a:endParaRPr lang="ko-KR" altLang="en-US" sz="1200" dirty="0">
               <a:latin typeface="Times New Roman" panose="02020603050405020304" pitchFamily="18" charset="0"/>
@@ -5287,7 +5269,7 @@
         <p:spPr>
           <a:xfrm>
             <a:off x="7916181" y="2375645"/>
-            <a:ext cx="4274288" cy="1815882"/>
+            <a:ext cx="4274288" cy="2062103"/>
           </a:xfrm>
           <a:prstGeom prst="rect">
             <a:avLst/>
@@ -5309,21 +5291,21 @@
                 <a:latin typeface="Times New Roman" panose="02020603050405020304" pitchFamily="18" charset="0"/>
                 <a:ea typeface="맑은 고딕" panose="020B0503020000020004" pitchFamily="50" charset="-127"/>
               </a:rPr>
-              <a:t>Proposing </a:t>
+              <a:t>Proposing a mixed-integer programming model (MIP), the </a:t>
             </a:r>
             <a:r>
               <a:rPr lang="en-US" altLang="ko-KR" sz="1600" b="1" dirty="0">
                 <a:latin typeface="Times New Roman" panose="02020603050405020304" pitchFamily="18" charset="0"/>
                 <a:ea typeface="맑은 고딕" panose="020B0503020000020004" pitchFamily="50" charset="-127"/>
               </a:rPr>
-              <a:t>a mixed-integer programming model (MIP)</a:t>
+              <a:t>Storage location assignment (SLA) model </a:t>
             </a:r>
             <a:r>
               <a:rPr lang="en-US" altLang="ko-KR" sz="1600" dirty="0">
                 <a:latin typeface="Times New Roman" panose="02020603050405020304" pitchFamily="18" charset="0"/>
                 <a:ea typeface="맑은 고딕" panose="020B0503020000020004" pitchFamily="50" charset="-127"/>
               </a:rPr>
-              <a:t> aiming to balance the workload and minimize the makespan for OBZ.</a:t>
+              <a:t>that assigns the entire product list.</a:t>
             </a:r>
           </a:p>
           <a:p>
@@ -5337,7 +5319,7 @@
                 <a:ea typeface="맑은 고딕" panose="020B0503020000020004" pitchFamily="50" charset="-127"/>
                 <a:cs typeface="Times New Roman" panose="02020603050405020304" pitchFamily="18" charset="0"/>
               </a:rPr>
-              <a:t>Constructing </a:t>
+              <a:t>Proposing a MIP-based </a:t>
             </a:r>
             <a:r>
               <a:rPr lang="en-US" altLang="ko-KR" sz="1600" b="1" dirty="0">
@@ -5345,7 +5327,7 @@
                 <a:ea typeface="맑은 고딕" panose="020B0503020000020004" pitchFamily="50" charset="-127"/>
                 <a:cs typeface="Times New Roman" panose="02020603050405020304" pitchFamily="18" charset="0"/>
               </a:rPr>
-              <a:t>three constraints for the order batching and sequencing and pick time calculation</a:t>
+              <a:t>storage location reassignment (SLR) </a:t>
             </a:r>
             <a:r>
               <a:rPr lang="en-US" altLang="ko-KR" sz="1600" dirty="0">
@@ -5353,23 +5335,7 @@
                 <a:ea typeface="맑은 고딕" panose="020B0503020000020004" pitchFamily="50" charset="-127"/>
                 <a:cs typeface="Times New Roman" panose="02020603050405020304" pitchFamily="18" charset="0"/>
               </a:rPr>
-              <a:t> and </a:t>
-            </a:r>
-            <a:r>
-              <a:rPr lang="en-US" altLang="ko-KR" sz="1600" b="1" dirty="0">
-                <a:latin typeface="Times New Roman" panose="02020603050405020304" pitchFamily="18" charset="0"/>
-                <a:ea typeface="맑은 고딕" panose="020B0503020000020004" pitchFamily="50" charset="-127"/>
-                <a:cs typeface="Times New Roman" panose="02020603050405020304" pitchFamily="18" charset="0"/>
-              </a:rPr>
-              <a:t>one constraint for the order processing time during each window</a:t>
-            </a:r>
-            <a:r>
-              <a:rPr lang="en-US" altLang="ko-KR" sz="1600" dirty="0">
-                <a:latin typeface="Times New Roman" panose="02020603050405020304" pitchFamily="18" charset="0"/>
-                <a:ea typeface="맑은 고딕" panose="020B0503020000020004" pitchFamily="50" charset="-127"/>
-                <a:cs typeface="Times New Roman" panose="02020603050405020304" pitchFamily="18" charset="0"/>
-              </a:rPr>
-              <a:t>.</a:t>
+              <a:t>model that relocates products for the allowed number of relocation operations.</a:t>
             </a:r>
             <a:endParaRPr lang="ko-KR" altLang="en-US" sz="1200" dirty="0">
               <a:latin typeface="Times New Roman" panose="02020603050405020304" pitchFamily="18" charset="0"/>
@@ -5492,7 +5458,7 @@
         <p:spPr>
           <a:xfrm>
             <a:off x="4439654" y="1948426"/>
-            <a:ext cx="3320715" cy="4524315"/>
+            <a:ext cx="3320715" cy="4770537"/>
           </a:xfrm>
           <a:prstGeom prst="rect">
             <a:avLst/>
@@ -5505,7 +5471,7 @@
           </a:ln>
         </p:spPr>
         <p:txBody>
-          <a:bodyPr wrap="square" rtlCol="0">
+          <a:bodyPr wrap="square" rIns="108000" rtlCol="0">
             <a:spAutoFit/>
           </a:bodyPr>
           <a:lstStyle/>
@@ -5535,27 +5501,10 @@
             </a:pPr>
             <a:r>
               <a:rPr lang="en-US" altLang="ko-KR" sz="1600" dirty="0">
-                <a:effectLst/>
-                <a:latin typeface="Times New Roman" panose="02020603050405020304" pitchFamily="18" charset="0"/>
-                <a:ea typeface="맑은 고딕" panose="020B0503020000020004" pitchFamily="50" charset="-127"/>
-              </a:rPr>
-              <a:t>Unveiling that the </a:t>
-            </a:r>
-            <a:r>
-              <a:rPr lang="en-US" altLang="ko-KR" sz="1600" b="1" dirty="0">
-                <a:effectLst/>
-                <a:latin typeface="Times New Roman" panose="02020603050405020304" pitchFamily="18" charset="0"/>
-                <a:ea typeface="맑은 고딕" panose="020B0503020000020004" pitchFamily="50" charset="-127"/>
-              </a:rPr>
-              <a:t>OBZ results in order picking efficiency in terms of stochastic environment, and it requires less computation time for every case</a:t>
-            </a:r>
-            <a:r>
-              <a:rPr lang="en-US" altLang="ko-KR" sz="1600" dirty="0">
-                <a:effectLst/>
-                <a:latin typeface="Times New Roman" panose="02020603050405020304" pitchFamily="18" charset="0"/>
-                <a:ea typeface="맑은 고딕" panose="020B0503020000020004" pitchFamily="50" charset="-127"/>
-              </a:rPr>
-              <a:t>.</a:t>
+                <a:latin typeface="Times New Roman" panose="02020603050405020304" pitchFamily="18" charset="0"/>
+                <a:cs typeface="Times New Roman" panose="02020603050405020304" pitchFamily="18" charset="0"/>
+              </a:rPr>
+              <a:t>A framework for a storage assignment was provided to improve order picking throughput by using the number of picks per zone, and the number of order visits per zone to consider workload balance between zones and  each zone’s waiting time.</a:t>
             </a:r>
           </a:p>
           <a:p>
@@ -5563,47 +5512,24 @@
               <a:buFont typeface="Wingdings" panose="05000000000000000000" pitchFamily="2" charset="2"/>
               <a:buChar char="§"/>
             </a:pPr>
+            <a:endParaRPr lang="en-US" altLang="ko-KR" sz="1600" dirty="0">
+              <a:latin typeface="Times New Roman" panose="02020603050405020304" pitchFamily="18" charset="0"/>
+              <a:cs typeface="Times New Roman" panose="02020603050405020304" pitchFamily="18" charset="0"/>
+            </a:endParaRPr>
+          </a:p>
+          <a:p>
+            <a:pPr marL="342900" indent="-342900" algn="just">
+              <a:buFont typeface="Wingdings" panose="05000000000000000000" pitchFamily="2" charset="2"/>
+              <a:buChar char="§"/>
+            </a:pPr>
             <a:r>
               <a:rPr lang="en-US" altLang="ko-KR" sz="1600" dirty="0">
-                <a:effectLst/>
-                <a:latin typeface="Times New Roman" panose="02020603050405020304" pitchFamily="18" charset="0"/>
-                <a:ea typeface="맑은 고딕" panose="020B0503020000020004" pitchFamily="50" charset="-127"/>
-              </a:rPr>
-              <a:t>Attesting that </a:t>
-            </a:r>
-            <a:r>
-              <a:rPr lang="en-US" altLang="ko-KR" sz="1600" b="1" dirty="0">
-                <a:effectLst/>
-                <a:latin typeface="Times New Roman" panose="02020603050405020304" pitchFamily="18" charset="0"/>
-                <a:ea typeface="맑은 고딕" panose="020B0503020000020004" pitchFamily="50" charset="-127"/>
-              </a:rPr>
-              <a:t>considering larger batch window size leads to better effective order picking efficiency improvement </a:t>
-            </a:r>
-            <a:r>
-              <a:rPr lang="en-US" altLang="ko-KR" sz="1600" dirty="0">
-                <a:effectLst/>
-                <a:latin typeface="Times New Roman" panose="02020603050405020304" pitchFamily="18" charset="0"/>
-                <a:ea typeface="맑은 고딕" panose="020B0503020000020004" pitchFamily="50" charset="-127"/>
-              </a:rPr>
-              <a:t>at the expense of more computational power and </a:t>
-            </a:r>
-            <a:r>
-              <a:rPr lang="en-US" altLang="ko-KR" sz="1600" b="1" dirty="0">
-                <a:effectLst/>
-                <a:latin typeface="Times New Roman" panose="02020603050405020304" pitchFamily="18" charset="0"/>
-                <a:ea typeface="맑은 고딕" panose="020B0503020000020004" pitchFamily="50" charset="-127"/>
-              </a:rPr>
-              <a:t>demonstrates robust order picking performance of OBZ</a:t>
-            </a:r>
-            <a:r>
-              <a:rPr lang="en-US" altLang="ko-KR" sz="1600" dirty="0">
-                <a:effectLst/>
-                <a:latin typeface="Times New Roman" panose="02020603050405020304" pitchFamily="18" charset="0"/>
-                <a:ea typeface="맑은 고딕" panose="020B0503020000020004" pitchFamily="50" charset="-127"/>
-              </a:rPr>
-              <a:t> when OPS experiences more frequent batch window transition.</a:t>
-            </a:r>
-            <a:endParaRPr lang="ko-KR" altLang="en-US" sz="1050" dirty="0">
+                <a:latin typeface="Times New Roman" panose="02020603050405020304" pitchFamily="18" charset="0"/>
+                <a:cs typeface="Times New Roman" panose="02020603050405020304" pitchFamily="18" charset="0"/>
+              </a:rPr>
+              <a:t>SLA is preferable for long-term planning over monthly and seasonal changes, and SLR is preferable for daily changes because it modulate daily demand fluctuation with relatively little effort.</a:t>
+            </a:r>
+            <a:endParaRPr lang="ko-KR" altLang="en-US" sz="1600" dirty="0">
               <a:latin typeface="Times New Roman" panose="02020603050405020304" pitchFamily="18" charset="0"/>
               <a:cs typeface="Times New Roman" panose="02020603050405020304" pitchFamily="18" charset="0"/>
             </a:endParaRPr>
@@ -5625,7 +5551,7 @@
         <p:spPr>
           <a:xfrm>
             <a:off x="7916179" y="4897010"/>
-            <a:ext cx="4274288" cy="3231654"/>
+            <a:ext cx="4274288" cy="2554545"/>
           </a:xfrm>
           <a:prstGeom prst="rect">
             <a:avLst/>
@@ -5681,6 +5607,33 @@
             </a:endParaRPr>
           </a:p>
           <a:p>
+            <a:pPr algn="just"/>
+            <a:endParaRPr lang="en-US" altLang="ko-KR" sz="1600" dirty="0">
+              <a:latin typeface="Times New Roman" panose="02020603050405020304" pitchFamily="18" charset="0"/>
+              <a:cs typeface="Times New Roman" panose="02020603050405020304" pitchFamily="18" charset="0"/>
+            </a:endParaRPr>
+          </a:p>
+          <a:p>
+            <a:pPr marL="285750" indent="-285750" algn="just">
+              <a:buFont typeface="Wingdings" panose="05000000000000000000" pitchFamily="2" charset="2"/>
+              <a:buChar char="§"/>
+            </a:pPr>
+            <a:r>
+              <a:rPr lang="en-US" altLang="ko-KR" sz="1600" dirty="0" err="1">
+                <a:latin typeface="Times New Roman" panose="02020603050405020304" pitchFamily="18" charset="0"/>
+                <a:cs typeface="Times New Roman" panose="02020603050405020304" pitchFamily="18" charset="0"/>
+              </a:rPr>
+              <a:t>Peroformance</a:t>
+            </a:r>
+            <a:r>
+              <a:rPr lang="en-US" altLang="ko-KR" sz="1600" dirty="0">
+                <a:latin typeface="Times New Roman" panose="02020603050405020304" pitchFamily="18" charset="0"/>
+                <a:cs typeface="Times New Roman" panose="02020603050405020304" pitchFamily="18" charset="0"/>
+              </a:rPr>
+              <a:t> measurements:</a:t>
+            </a:r>
+          </a:p>
+          <a:p>
             <a:pPr marL="285750" indent="-285750" algn="just">
               <a:buFont typeface="Wingdings" panose="05000000000000000000" pitchFamily="2" charset="2"/>
               <a:buChar char="§"/>
@@ -5705,44 +5658,7 @@
               <a:buFont typeface="Wingdings" panose="05000000000000000000" pitchFamily="2" charset="2"/>
               <a:buChar char="§"/>
             </a:pPr>
-            <a:r>
-              <a:rPr lang="en-US" altLang="ko-KR" sz="1600" dirty="0">
-                <a:latin typeface="Times New Roman" panose="02020603050405020304" pitchFamily="18" charset="0"/>
-                <a:cs typeface="Times New Roman" panose="02020603050405020304" pitchFamily="18" charset="0"/>
-              </a:rPr>
-              <a:t>Testing three batching and sequencing strategies (FCFS, DIBM, and OBZ).</a:t>
-            </a:r>
-          </a:p>
-          <a:p>
-            <a:pPr algn="just"/>
-            <a:endParaRPr lang="en-US" altLang="ko-KR" sz="1400" dirty="0">
-              <a:latin typeface="Times New Roman" panose="02020603050405020304" pitchFamily="18" charset="0"/>
-              <a:cs typeface="Times New Roman" panose="02020603050405020304" pitchFamily="18" charset="0"/>
-            </a:endParaRPr>
-          </a:p>
-          <a:p>
-            <a:pPr algn="just"/>
-            <a:endParaRPr lang="en-US" altLang="ko-KR" sz="1600" i="1" dirty="0">
-              <a:latin typeface="Times New Roman" panose="02020603050405020304" pitchFamily="18" charset="0"/>
-              <a:cs typeface="Times New Roman" panose="02020603050405020304" pitchFamily="18" charset="0"/>
-            </a:endParaRPr>
-          </a:p>
-          <a:p>
-            <a:pPr marL="285756" indent="-285756" algn="just">
-              <a:buFont typeface="Arial" panose="020B0604020202020204" pitchFamily="34" charset="0"/>
-              <a:buChar char="•"/>
-            </a:pPr>
-            <a:endParaRPr lang="en-US" altLang="ko-KR" sz="1400" dirty="0">
-              <a:latin typeface="Times New Roman" panose="02020603050405020304" pitchFamily="18" charset="0"/>
-              <a:cs typeface="Times New Roman" panose="02020603050405020304" pitchFamily="18" charset="0"/>
-            </a:endParaRPr>
-          </a:p>
-          <a:p>
-            <a:pPr marL="285756" indent="-285756" algn="just">
-              <a:buFont typeface="Arial" panose="020B0604020202020204" pitchFamily="34" charset="0"/>
-              <a:buChar char="•"/>
-            </a:pPr>
-            <a:endParaRPr lang="ko-KR" altLang="en-US" sz="1600" dirty="0">
+            <a:endParaRPr lang="en-US" altLang="ko-KR" sz="1600" dirty="0">
               <a:latin typeface="Times New Roman" panose="02020603050405020304" pitchFamily="18" charset="0"/>
               <a:cs typeface="Times New Roman" panose="02020603050405020304" pitchFamily="18" charset="0"/>
             </a:endParaRPr>
@@ -5764,7 +5680,7 @@
         <p:spPr>
           <a:xfrm>
             <a:off x="10060972" y="5391813"/>
-            <a:ext cx="2056901" cy="954107"/>
+            <a:ext cx="1831785" cy="1169551"/>
           </a:xfrm>
           <a:prstGeom prst="rect">
             <a:avLst/>
@@ -5786,7 +5702,7 @@
                 <a:latin typeface="Times New Roman" panose="02020603050405020304" pitchFamily="18" charset="0"/>
                 <a:cs typeface="Times New Roman" panose="02020603050405020304" pitchFamily="18" charset="0"/>
               </a:rPr>
-              <a:t>Moving time</a:t>
+              <a:t>Order size</a:t>
             </a:r>
           </a:p>
           <a:p>
@@ -5799,7 +5715,7 @@
                 <a:latin typeface="Times New Roman" panose="02020603050405020304" pitchFamily="18" charset="0"/>
                 <a:cs typeface="Times New Roman" panose="02020603050405020304" pitchFamily="18" charset="0"/>
               </a:rPr>
-              <a:t>Batch size</a:t>
+              <a:t>CONWIP level</a:t>
             </a:r>
           </a:p>
           <a:p>
@@ -5812,7 +5728,7 @@
                 <a:latin typeface="Times New Roman" panose="02020603050405020304" pitchFamily="18" charset="0"/>
                 <a:cs typeface="Times New Roman" panose="02020603050405020304" pitchFamily="18" charset="0"/>
               </a:rPr>
-              <a:t>Batch window size</a:t>
+              <a:t>Num of relocation operations</a:t>
             </a:r>
           </a:p>
           <a:p>
@@ -5842,7 +5758,7 @@
         <p:spPr>
           <a:xfrm>
             <a:off x="8229133" y="5433312"/>
-            <a:ext cx="2056901" cy="1169551"/>
+            <a:ext cx="2056901" cy="954107"/>
           </a:xfrm>
           <a:prstGeom prst="rect">
             <a:avLst/>
@@ -5864,7 +5780,7 @@
                 <a:latin typeface="Times New Roman" panose="02020603050405020304" pitchFamily="18" charset="0"/>
                 <a:cs typeface="Times New Roman" panose="02020603050405020304" pitchFamily="18" charset="0"/>
               </a:rPr>
-              <a:t>OPS size</a:t>
+              <a:t>Num of zones</a:t>
             </a:r>
           </a:p>
           <a:p>
@@ -5877,17 +5793,7 @@
                 <a:latin typeface="Times New Roman" panose="02020603050405020304" pitchFamily="18" charset="0"/>
                 <a:cs typeface="Times New Roman" panose="02020603050405020304" pitchFamily="18" charset="0"/>
               </a:rPr>
-              <a:t>Demand </a:t>
-            </a:r>
-          </a:p>
-          <a:p>
-            <a:pPr algn="just"/>
-            <a:r>
-              <a:rPr lang="en-US" altLang="ko-KR" sz="1400" dirty="0">
-                <a:latin typeface="Times New Roman" panose="02020603050405020304" pitchFamily="18" charset="0"/>
-                <a:cs typeface="Times New Roman" panose="02020603050405020304" pitchFamily="18" charset="0"/>
-              </a:rPr>
-              <a:t>       characteristics</a:t>
+              <a:t>Num of products </a:t>
             </a:r>
           </a:p>
           <a:p>
@@ -5900,7 +5806,7 @@
                 <a:latin typeface="Times New Roman" panose="02020603050405020304" pitchFamily="18" charset="0"/>
                 <a:cs typeface="Times New Roman" panose="02020603050405020304" pitchFamily="18" charset="0"/>
               </a:rPr>
-              <a:t>Picking time</a:t>
+              <a:t>Num of orders</a:t>
             </a:r>
           </a:p>
           <a:p>
@@ -5912,6 +5818,116 @@
               <a:latin typeface="Times New Roman" panose="02020603050405020304" pitchFamily="18" charset="0"/>
               <a:cs typeface="Times New Roman" panose="02020603050405020304" pitchFamily="18" charset="0"/>
             </a:endParaRPr>
+          </a:p>
+        </p:txBody>
+      </p:sp>
+      <p:sp>
+        <p:nvSpPr>
+          <p:cNvPr id="34" name="TextBox 33">
+            <a:extLst>
+              <a:ext uri="{FF2B5EF4-FFF2-40B4-BE49-F238E27FC236}">
+                <a16:creationId xmlns:a16="http://schemas.microsoft.com/office/drawing/2014/main" id="{95903E26-E588-83C1-6A4A-8CAEA233F20E}"/>
+              </a:ext>
+            </a:extLst>
+          </p:cNvPr>
+          <p:cNvSpPr txBox="1"/>
+          <p:nvPr/>
+        </p:nvSpPr>
+        <p:spPr>
+          <a:xfrm>
+            <a:off x="8229133" y="6664331"/>
+            <a:ext cx="1831785" cy="523220"/>
+          </a:xfrm>
+          <a:prstGeom prst="rect">
+            <a:avLst/>
+          </a:prstGeom>
+          <a:noFill/>
+        </p:spPr>
+        <p:txBody>
+          <a:bodyPr wrap="square">
+            <a:spAutoFit/>
+          </a:bodyPr>
+          <a:lstStyle/>
+          <a:p>
+            <a:pPr marL="285756" indent="-285756" algn="just">
+              <a:buFont typeface="Arial" panose="020B0604020202020204" pitchFamily="34" charset="0"/>
+              <a:buChar char="•"/>
+            </a:pPr>
+            <a:r>
+              <a:rPr lang="en-US" altLang="ko-KR" sz="1400" dirty="0">
+                <a:latin typeface="Times New Roman" panose="02020603050405020304" pitchFamily="18" charset="0"/>
+                <a:cs typeface="Times New Roman" panose="02020603050405020304" pitchFamily="18" charset="0"/>
+              </a:rPr>
+              <a:t>Objective value</a:t>
+            </a:r>
+          </a:p>
+          <a:p>
+            <a:pPr marL="285756" indent="-285756" algn="just">
+              <a:buFont typeface="Arial" panose="020B0604020202020204" pitchFamily="34" charset="0"/>
+              <a:buChar char="•"/>
+            </a:pPr>
+            <a:r>
+              <a:rPr lang="en-US" altLang="ko-KR" sz="1400" dirty="0">
+                <a:latin typeface="Times New Roman" panose="02020603050405020304" pitchFamily="18" charset="0"/>
+                <a:cs typeface="Times New Roman" panose="02020603050405020304" pitchFamily="18" charset="0"/>
+              </a:rPr>
+              <a:t>Computation time</a:t>
+            </a:r>
+          </a:p>
+        </p:txBody>
+      </p:sp>
+      <p:sp>
+        <p:nvSpPr>
+          <p:cNvPr id="35" name="TextBox 34">
+            <a:extLst>
+              <a:ext uri="{FF2B5EF4-FFF2-40B4-BE49-F238E27FC236}">
+                <a16:creationId xmlns:a16="http://schemas.microsoft.com/office/drawing/2014/main" id="{362404F8-5EC0-9B0F-0146-397CE782438A}"/>
+              </a:ext>
+            </a:extLst>
+          </p:cNvPr>
+          <p:cNvSpPr txBox="1"/>
+          <p:nvPr/>
+        </p:nvSpPr>
+        <p:spPr>
+          <a:xfrm>
+            <a:off x="10060972" y="6666391"/>
+            <a:ext cx="1941975" cy="523220"/>
+          </a:xfrm>
+          <a:prstGeom prst="rect">
+            <a:avLst/>
+          </a:prstGeom>
+          <a:noFill/>
+        </p:spPr>
+        <p:txBody>
+          <a:bodyPr wrap="square">
+            <a:spAutoFit/>
+          </a:bodyPr>
+          <a:lstStyle/>
+          <a:p>
+            <a:pPr marL="285756" indent="-285756" algn="just">
+              <a:buFont typeface="Arial" panose="020B0604020202020204" pitchFamily="34" charset="0"/>
+              <a:buChar char="•"/>
+            </a:pPr>
+            <a:r>
+              <a:rPr lang="en-US" altLang="ko-KR" sz="1400" dirty="0">
+                <a:latin typeface="Times New Roman" panose="02020603050405020304" pitchFamily="18" charset="0"/>
+                <a:cs typeface="Times New Roman" panose="02020603050405020304" pitchFamily="18" charset="0"/>
+              </a:rPr>
+              <a:t>Average cycle time</a:t>
+            </a:r>
+          </a:p>
+          <a:p>
+            <a:pPr marL="285756" indent="-285756" algn="just">
+              <a:buFont typeface="Arial" panose="020B0604020202020204" pitchFamily="34" charset="0"/>
+              <a:buChar char="•"/>
+            </a:pPr>
+            <a:r>
+              <a:rPr lang="en-US" altLang="ko-KR" sz="1400" dirty="0">
+                <a:latin typeface="Times New Roman" panose="02020603050405020304" pitchFamily="18" charset="0"/>
+                <a:cs typeface="Times New Roman" panose="02020603050405020304" pitchFamily="18" charset="0"/>
+              </a:rPr>
+              <a:t>Makespan</a:t>
+            </a:r>
           </a:p>
         </p:txBody>
       </p:sp>
